--- a/Ivet Buyaki_powerpoint .pptx
+++ b/Ivet Buyaki_powerpoint .pptx
@@ -641,7 +641,7 @@
           <a:p>
             <a:fld id="{AAD38FB1-6323-4BF3-8DC4-B943731C3786}" type="datetimeFigureOut">
               <a:rPr lang="en-US" smtClean="0"/>
-              <a:t>5/10/2025</a:t>
+              <a:t>5/11/2025</a:t>
             </a:fld>
             <a:endParaRPr lang="en-US"/>
           </a:p>
@@ -937,7 +937,7 @@
           <a:p>
             <a:fld id="{AAD38FB1-6323-4BF3-8DC4-B943731C3786}" type="datetimeFigureOut">
               <a:rPr lang="en-US" smtClean="0"/>
-              <a:t>5/10/2025</a:t>
+              <a:t>5/11/2025</a:t>
             </a:fld>
             <a:endParaRPr lang="en-US"/>
           </a:p>
@@ -1185,7 +1185,7 @@
           <a:p>
             <a:fld id="{AAD38FB1-6323-4BF3-8DC4-B943731C3786}" type="datetimeFigureOut">
               <a:rPr lang="en-US" smtClean="0"/>
-              <a:t>5/10/2025</a:t>
+              <a:t>5/11/2025</a:t>
             </a:fld>
             <a:endParaRPr lang="en-US"/>
           </a:p>
@@ -1725,7 +1725,7 @@
           <a:p>
             <a:fld id="{AAD38FB1-6323-4BF3-8DC4-B943731C3786}" type="datetimeFigureOut">
               <a:rPr lang="en-US" smtClean="0"/>
-              <a:t>5/10/2025</a:t>
+              <a:t>5/11/2025</a:t>
             </a:fld>
             <a:endParaRPr lang="en-US"/>
           </a:p>
@@ -1973,7 +1973,7 @@
           <a:p>
             <a:fld id="{AAD38FB1-6323-4BF3-8DC4-B943731C3786}" type="datetimeFigureOut">
               <a:rPr lang="en-US" smtClean="0"/>
-              <a:t>5/10/2025</a:t>
+              <a:t>5/11/2025</a:t>
             </a:fld>
             <a:endParaRPr lang="en-US"/>
           </a:p>
@@ -2505,7 +2505,7 @@
           <a:p>
             <a:fld id="{AAD38FB1-6323-4BF3-8DC4-B943731C3786}" type="datetimeFigureOut">
               <a:rPr lang="en-US" smtClean="0"/>
-              <a:t>5/10/2025</a:t>
+              <a:t>5/11/2025</a:t>
             </a:fld>
             <a:endParaRPr lang="en-US"/>
           </a:p>
@@ -2802,7 +2802,7 @@
           <a:p>
             <a:fld id="{AAD38FB1-6323-4BF3-8DC4-B943731C3786}" type="datetimeFigureOut">
               <a:rPr lang="en-US" smtClean="0"/>
-              <a:t>5/10/2025</a:t>
+              <a:t>5/11/2025</a:t>
             </a:fld>
             <a:endParaRPr lang="en-US"/>
           </a:p>
@@ -2976,7 +2976,7 @@
           <a:p>
             <a:fld id="{AAD38FB1-6323-4BF3-8DC4-B943731C3786}" type="datetimeFigureOut">
               <a:rPr lang="en-US" smtClean="0"/>
-              <a:t>5/10/2025</a:t>
+              <a:t>5/11/2025</a:t>
             </a:fld>
             <a:endParaRPr lang="en-US"/>
           </a:p>
@@ -3156,7 +3156,7 @@
           <a:p>
             <a:fld id="{AAD38FB1-6323-4BF3-8DC4-B943731C3786}" type="datetimeFigureOut">
               <a:rPr lang="en-US" smtClean="0"/>
-              <a:t>5/10/2025</a:t>
+              <a:t>5/11/2025</a:t>
             </a:fld>
             <a:endParaRPr lang="en-US"/>
           </a:p>
@@ -3326,7 +3326,7 @@
           <a:p>
             <a:fld id="{AAD38FB1-6323-4BF3-8DC4-B943731C3786}" type="datetimeFigureOut">
               <a:rPr lang="en-US" smtClean="0"/>
-              <a:t>5/10/2025</a:t>
+              <a:t>5/11/2025</a:t>
             </a:fld>
             <a:endParaRPr lang="en-US"/>
           </a:p>
@@ -3577,7 +3577,7 @@
           <a:p>
             <a:fld id="{AAD38FB1-6323-4BF3-8DC4-B943731C3786}" type="datetimeFigureOut">
               <a:rPr lang="en-US" smtClean="0"/>
-              <a:t>5/10/2025</a:t>
+              <a:t>5/11/2025</a:t>
             </a:fld>
             <a:endParaRPr lang="en-US"/>
           </a:p>
@@ -3874,7 +3874,7 @@
           <a:p>
             <a:fld id="{AAD38FB1-6323-4BF3-8DC4-B943731C3786}" type="datetimeFigureOut">
               <a:rPr lang="en-US" smtClean="0"/>
-              <a:t>5/10/2025</a:t>
+              <a:t>5/11/2025</a:t>
             </a:fld>
             <a:endParaRPr lang="en-US"/>
           </a:p>
@@ -4316,7 +4316,7 @@
           <a:p>
             <a:fld id="{AAD38FB1-6323-4BF3-8DC4-B943731C3786}" type="datetimeFigureOut">
               <a:rPr lang="en-US" smtClean="0"/>
-              <a:t>5/10/2025</a:t>
+              <a:t>5/11/2025</a:t>
             </a:fld>
             <a:endParaRPr lang="en-US"/>
           </a:p>
@@ -4434,7 +4434,7 @@
           <a:p>
             <a:fld id="{AAD38FB1-6323-4BF3-8DC4-B943731C3786}" type="datetimeFigureOut">
               <a:rPr lang="en-US" smtClean="0"/>
-              <a:t>5/10/2025</a:t>
+              <a:t>5/11/2025</a:t>
             </a:fld>
             <a:endParaRPr lang="en-US"/>
           </a:p>
@@ -4529,7 +4529,7 @@
           <a:p>
             <a:fld id="{AAD38FB1-6323-4BF3-8DC4-B943731C3786}" type="datetimeFigureOut">
               <a:rPr lang="en-US" smtClean="0"/>
-              <a:t>5/10/2025</a:t>
+              <a:t>5/11/2025</a:t>
             </a:fld>
             <a:endParaRPr lang="en-US"/>
           </a:p>
@@ -4812,7 +4812,7 @@
           <a:p>
             <a:fld id="{AAD38FB1-6323-4BF3-8DC4-B943731C3786}" type="datetimeFigureOut">
               <a:rPr lang="en-US" smtClean="0"/>
-              <a:t>5/10/2025</a:t>
+              <a:t>5/11/2025</a:t>
             </a:fld>
             <a:endParaRPr lang="en-US"/>
           </a:p>
@@ -5103,7 +5103,7 @@
           <a:p>
             <a:fld id="{AAD38FB1-6323-4BF3-8DC4-B943731C3786}" type="datetimeFigureOut">
               <a:rPr lang="en-US" smtClean="0"/>
-              <a:t>5/10/2025</a:t>
+              <a:t>5/11/2025</a:t>
             </a:fld>
             <a:endParaRPr lang="en-US"/>
           </a:p>
@@ -5633,7 +5633,7 @@
           <a:p>
             <a:fld id="{AAD38FB1-6323-4BF3-8DC4-B943731C3786}" type="datetimeFigureOut">
               <a:rPr lang="en-US" smtClean="0"/>
-              <a:t>5/10/2025</a:t>
+              <a:t>5/11/2025</a:t>
             </a:fld>
             <a:endParaRPr lang="en-US"/>
           </a:p>
@@ -7188,7 +7188,7 @@
               </a:spcAft>
             </a:pPr>
             <a:r>
-              <a:rPr lang="en-US" sz="6000">
+              <a:rPr lang="en-US" sz="6000" dirty="0">
                 <a:ln w="3175" cmpd="sng">
                   <a:noFill/>
                 </a:ln>
@@ -9817,25 +9817,8 @@
             </a:pPr>
             <a:r>
               <a:rPr lang="en-US" dirty="0"/>
-              <a:t>The project entails building a classifier to assist the client, </a:t>
+              <a:t>The project entails building a classifier to assist the client, SyriaTel Telecommunications, in determining whether a customer will soon stop doing business with them. It also focuses on identifying patterns that indicate high probability of customers churning.</a:t>
             </a:r>
-            <a:r>
-              <a:rPr lang="en-US"/>
-              <a:t>SyriaTel</a:t>
-            </a:r>
-            <a:r>
-              <a:rPr lang="en-US" dirty="0"/>
-              <a:t> Telecommunications, determine whether a customer will soon stop doing business with </a:t>
-            </a:r>
-            <a:r>
-              <a:rPr lang="en-US"/>
-              <a:t>them.The</a:t>
-            </a:r>
-            <a:r>
-              <a:rPr lang="en-US" dirty="0"/>
-              <a:t> end result is to identify patterns that indicate probability of customers churning.</a:t>
-            </a:r>
-            <a:endParaRPr lang="en-US"/>
           </a:p>
         </p:txBody>
       </p:sp>
@@ -11131,23 +11114,28 @@
           </a:bodyPr>
           <a:lstStyle/>
           <a:p>
+            <a:pPr algn="l"/>
+            <a:r>
+              <a:rPr lang="en-US" dirty="0"/>
+              <a:t>The client intends to minimize the resources spent on customers who don’t have an intention of staying with the company for the long haul. </a:t>
+            </a:r>
+          </a:p>
+          <a:p>
+            <a:pPr algn="l"/>
+            <a:r>
+              <a:rPr lang="en-US" dirty="0"/>
+              <a:t>The project therefore focuses on:</a:t>
+            </a:r>
+          </a:p>
+          <a:p>
             <a:pPr algn="l">
               <a:buFont typeface="Arial"/>
               <a:buChar char="•"/>
             </a:pPr>
             <a:r>
               <a:rPr lang="en-US" dirty="0"/>
-              <a:t>The client intends to minimize the resources spent on customers who don’t have an intention of staying with the company for the long </a:t>
+              <a:t>Identifying factors that have a high relation with the customer churn rate</a:t>
             </a:r>
-            <a:r>
-              <a:rPr lang="en-US"/>
-              <a:t>haul.The</a:t>
-            </a:r>
-            <a:r>
-              <a:rPr lang="en-US" dirty="0"/>
-              <a:t> project therefore focuses on:</a:t>
-            </a:r>
-            <a:endParaRPr lang="en-US"/>
           </a:p>
           <a:p>
             <a:pPr algn="l">
@@ -11156,9 +11144,8 @@
             </a:pPr>
             <a:r>
               <a:rPr lang="en-US" dirty="0"/>
-              <a:t>1)Identifying factors that have a relation with the customer churn rate</a:t>
+              <a:t>Developing a predictive model that uses above identified factors to predicted possibility of customers churning</a:t>
             </a:r>
-            <a:endParaRPr lang="en-US"/>
           </a:p>
           <a:p>
             <a:pPr algn="l">
@@ -11167,20 +11154,8 @@
             </a:pPr>
             <a:r>
               <a:rPr lang="en-US" dirty="0"/>
-              <a:t>2)Developing a predictive model that uses identified factors to predicted possibility of customers churning</a:t>
+              <a:t>Evaluating the performance of the model against an alternate model and fine tuning it for optimal performance.</a:t>
             </a:r>
-            <a:endParaRPr lang="en-US"/>
-          </a:p>
-          <a:p>
-            <a:pPr algn="l">
-              <a:buFont typeface="Arial"/>
-              <a:buChar char="•"/>
-            </a:pPr>
-            <a:r>
-              <a:rPr lang="en-US" dirty="0"/>
-              <a:t>3)Evaluating the performance of the model against an alternate model and fine tuning it for optimal performance.</a:t>
-            </a:r>
-            <a:endParaRPr lang="en-US"/>
           </a:p>
         </p:txBody>
       </p:sp>
@@ -11973,7 +11948,7 @@
           <a:p>
             <a:pPr algn="l"/>
             <a:r>
-              <a:rPr lang="en-US" sz="2500">
+              <a:rPr lang="en-US" sz="2500" dirty="0">
                 <a:solidFill>
                   <a:srgbClr val="FFFFFF"/>
                 </a:solidFill>
@@ -12490,7 +12465,7 @@
               </a:rPr>
               <a:t>https://www.kaggle.com/datasets/becksddf/churn-in-telecoms-dataset/data</a:t>
             </a:r>
-            <a:endParaRPr lang="en-US"/>
+            <a:endParaRPr lang="en-US" dirty="0"/>
           </a:p>
           <a:p>
             <a:pPr algn="l">
@@ -12499,23 +12474,22 @@
             </a:pPr>
             <a:r>
               <a:rPr lang="en-US" dirty="0"/>
-              <a:t>The data set did not have any missing values, in total before any preprocessing was done, it had 3333 rows and 21 columns.</a:t>
+              <a:t>There were no missing values in the data set, it had 3333 rows and 21 columns before any processing was done.</a:t>
             </a:r>
-            <a:endParaRPr lang="en-US"/>
           </a:p>
           <a:p>
             <a:pPr algn="l">
               <a:buFont typeface="Arial"/>
               <a:buChar char="•"/>
             </a:pPr>
-            <a:endParaRPr lang="en-US"/>
+            <a:endParaRPr lang="en-US" dirty="0"/>
           </a:p>
           <a:p>
             <a:pPr algn="l">
               <a:buFont typeface="Arial"/>
               <a:buChar char="•"/>
             </a:pPr>
-            <a:endParaRPr lang="en-US"/>
+            <a:endParaRPr lang="en-US" dirty="0"/>
           </a:p>
         </p:txBody>
       </p:sp>
@@ -13817,40 +13791,35 @@
             </a:pPr>
             <a:r>
               <a:rPr lang="en-US" dirty="0"/>
-              <a:t>The models used in this case are classification models, as the intention is to determine whether a customer will drop off or not. In this particular project we settled on the logistic regression and used the decision tree model as a comparison </a:t>
+              <a:t>The models used in this case are classification models, as the intention is to determine whether a customer will drop off or not. </a:t>
             </a:r>
-            <a:r>
-              <a:rPr lang="en-US"/>
-              <a:t>model.The</a:t>
-            </a:r>
-            <a:r>
-              <a:rPr lang="en-US" dirty="0"/>
-              <a:t> data set had several features and thus after determining their relation with the churn rate, among the influential features were customer service </a:t>
-            </a:r>
-            <a:r>
-              <a:rPr lang="en-US"/>
-              <a:t>calls,total</a:t>
-            </a:r>
-            <a:r>
-              <a:rPr lang="en-US" dirty="0"/>
-              <a:t> day </a:t>
-            </a:r>
-            <a:r>
-              <a:rPr lang="en-US"/>
-              <a:t>charge,total</a:t>
-            </a:r>
-            <a:r>
-              <a:rPr lang="en-US" dirty="0"/>
-              <a:t> day minutes.</a:t>
-            </a:r>
-            <a:endParaRPr lang="en-US"/>
           </a:p>
           <a:p>
             <a:pPr algn="l">
               <a:buFont typeface="Arial"/>
               <a:buChar char="•"/>
             </a:pPr>
-            <a:endParaRPr lang="en-US"/>
+            <a:r>
+              <a:rPr lang="en-US" dirty="0"/>
+              <a:t>In this particular project we settled on the logistic regression and used the decision tree model as a comparison model.</a:t>
+            </a:r>
+          </a:p>
+          <a:p>
+            <a:pPr algn="l">
+              <a:buFont typeface="Arial"/>
+              <a:buChar char="•"/>
+            </a:pPr>
+            <a:r>
+              <a:rPr lang="en-US" dirty="0"/>
+              <a:t> The data set had several features and thus after determining their relation with the churn rate, among the influential features were customer service calls, total day charge, total day minutes.</a:t>
+            </a:r>
+          </a:p>
+          <a:p>
+            <a:pPr algn="l">
+              <a:buFont typeface="Arial"/>
+              <a:buChar char="•"/>
+            </a:pPr>
+            <a:endParaRPr lang="en-US" dirty="0"/>
           </a:p>
         </p:txBody>
       </p:sp>
@@ -14643,7 +14612,7 @@
           <a:p>
             <a:pPr algn="l"/>
             <a:r>
-              <a:rPr lang="en-US">
+              <a:rPr lang="en-US" dirty="0">
                 <a:solidFill>
                   <a:srgbClr val="FFFFFF"/>
                 </a:solidFill>
@@ -15146,31 +15115,28 @@
           </a:bodyPr>
           <a:lstStyle/>
           <a:p>
+            <a:pPr algn="l"/>
+            <a:r>
+              <a:rPr lang="en-US" dirty="0"/>
+              <a:t>A number of steps were undertaken during modeling geared towards having a workable data set fit for creating a well performing model.</a:t>
+            </a:r>
+          </a:p>
+          <a:p>
+            <a:pPr algn="l"/>
+            <a:r>
+              <a:rPr lang="en-US" dirty="0"/>
+              <a:t>These included:</a:t>
+            </a:r>
+          </a:p>
+          <a:p>
             <a:pPr algn="l">
               <a:buFont typeface="Arial"/>
               <a:buChar char="•"/>
             </a:pPr>
             <a:r>
               <a:rPr lang="en-US" dirty="0"/>
-              <a:t>A number of steps were undertaken during modeling geared towards having a workable data set fit for creating a good </a:t>
+              <a:t>1)Data encoding – converting data set to numerical values</a:t>
             </a:r>
-            <a:r>
-              <a:rPr lang="en-US"/>
-              <a:t>perfoming</a:t>
-            </a:r>
-            <a:r>
-              <a:rPr lang="en-US" dirty="0"/>
-              <a:t> </a:t>
-            </a:r>
-            <a:r>
-              <a:rPr lang="en-US"/>
-              <a:t>model.These</a:t>
-            </a:r>
-            <a:r>
-              <a:rPr lang="en-US" dirty="0"/>
-              <a:t> included:</a:t>
-            </a:r>
-            <a:endParaRPr lang="en-US"/>
           </a:p>
           <a:p>
             <a:pPr algn="l">
@@ -15179,9 +15145,8 @@
             </a:pPr>
             <a:r>
               <a:rPr lang="en-US" dirty="0"/>
-              <a:t>1)Data encoding – converting to numerical values</a:t>
+              <a:t>2)Data scaling – to be on the same scale.</a:t>
             </a:r>
-            <a:endParaRPr lang="en-US"/>
           </a:p>
           <a:p>
             <a:pPr algn="l">
@@ -15190,20 +15155,8 @@
             </a:pPr>
             <a:r>
               <a:rPr lang="en-US" dirty="0"/>
-              <a:t>2)Data scaling – to be on the same scale</a:t>
+              <a:t>3)Data balancing – to prevent bias in prediction due to data set imbalance.</a:t>
             </a:r>
-            <a:endParaRPr lang="en-US"/>
-          </a:p>
-          <a:p>
-            <a:pPr algn="l">
-              <a:buFont typeface="Arial"/>
-              <a:buChar char="•"/>
-            </a:pPr>
-            <a:r>
-              <a:rPr lang="en-US" dirty="0"/>
-              <a:t>3)Data balancing – To prevent bias in prediction due to data set imbalance</a:t>
-            </a:r>
-            <a:endParaRPr lang="en-US"/>
           </a:p>
         </p:txBody>
       </p:sp>
@@ -16507,29 +16460,20 @@
               <a:rPr lang="en-US" dirty="0"/>
               <a:t>Evaluation metrics used was the f1_score as it is a balance point of precision and recall.</a:t>
             </a:r>
-            <a:endParaRPr lang="en-US"/>
-          </a:p>
-          <a:p>
-            <a:pPr algn="l">
-              <a:buFont typeface="Arial"/>
-              <a:buChar char="•"/>
-            </a:pPr>
+          </a:p>
+          <a:p>
+            <a:pPr algn="l"/>
             <a:r>
               <a:rPr lang="en-US" dirty="0"/>
-              <a:t>1)Precision – depicts how correct the model is in predicting customer churn rate</a:t>
+              <a:t> 1)Precision – depicts how correct the model is in predicting customer churn rate</a:t>
             </a:r>
-            <a:endParaRPr lang="en-US"/>
-          </a:p>
-          <a:p>
-            <a:pPr algn="l">
-              <a:buFont typeface="Arial"/>
-              <a:buChar char="•"/>
-            </a:pPr>
+          </a:p>
+          <a:p>
+            <a:pPr algn="l"/>
             <a:r>
               <a:rPr lang="en-US" dirty="0"/>
-              <a:t>2)Recall – depicts the accuracy of the model in picking all the customers who actually drop off.</a:t>
+              <a:t> 2)Recall – depicts the accuracy of the model in picking all the customers who actually drop off.</a:t>
             </a:r>
-            <a:endParaRPr lang="en-US"/>
           </a:p>
           <a:p>
             <a:pPr algn="l">
@@ -16540,7 +16484,6 @@
               <a:rPr lang="en-US" dirty="0"/>
               <a:t>The logistic regression model was chosen for its advantages such as being less prone to overfitting on data despite the fact that results obtained from the two models were the same.</a:t>
             </a:r>
-            <a:endParaRPr lang="en-US"/>
           </a:p>
         </p:txBody>
       </p:sp>
@@ -17596,8 +17539,30 @@
               <a:buChar char="•"/>
             </a:pPr>
             <a:r>
-              <a:rPr lang="en-US" sz="1500"/>
+              <a:rPr lang="en-US" sz="1500" dirty="0"/>
               <a:t>The final f1_score obtained from the logistic regression model after all data processing was:</a:t>
+            </a:r>
+          </a:p>
+          <a:p>
+            <a:pPr algn="l">
+              <a:lnSpc>
+                <a:spcPct val="90000"/>
+              </a:lnSpc>
+            </a:pPr>
+            <a:r>
+              <a:rPr lang="en-US" sz="1500" dirty="0"/>
+              <a:t> Train data – 0.65</a:t>
+            </a:r>
+          </a:p>
+          <a:p>
+            <a:pPr algn="l">
+              <a:lnSpc>
+                <a:spcPct val="90000"/>
+              </a:lnSpc>
+            </a:pPr>
+            <a:r>
+              <a:rPr lang="en-US" sz="1500" dirty="0"/>
+              <a:t> Test data – 0.45</a:t>
             </a:r>
           </a:p>
           <a:p>
@@ -17609,8 +17574,8 @@
               <a:buChar char="•"/>
             </a:pPr>
             <a:r>
-              <a:rPr lang="en-US" sz="1500"/>
-              <a:t>Train data – 0.65</a:t>
+              <a:rPr lang="en-US" sz="1500" dirty="0"/>
+              <a:t>The accuracy of the model in performing predictions was found to be 0.82.</a:t>
             </a:r>
           </a:p>
           <a:p>
@@ -17622,33 +17587,7 @@
               <a:buChar char="•"/>
             </a:pPr>
             <a:r>
-              <a:rPr lang="en-US" sz="1500"/>
-              <a:t>Test data – 0.45</a:t>
-            </a:r>
-          </a:p>
-          <a:p>
-            <a:pPr algn="l">
-              <a:lnSpc>
-                <a:spcPct val="90000"/>
-              </a:lnSpc>
-              <a:buFont typeface="Arial"/>
-              <a:buChar char="•"/>
-            </a:pPr>
-            <a:r>
-              <a:rPr lang="en-US" sz="1500"/>
-              <a:t>The accuracy of the model in performing predictions was found to be 0.82.</a:t>
-            </a:r>
-          </a:p>
-          <a:p>
-            <a:pPr algn="l">
-              <a:lnSpc>
-                <a:spcPct val="90000"/>
-              </a:lnSpc>
-              <a:buFont typeface="Arial"/>
-              <a:buChar char="•"/>
-            </a:pPr>
-            <a:r>
-              <a:rPr lang="en-US" sz="1500"/>
+              <a:rPr lang="en-US" sz="1500" dirty="0"/>
               <a:t>The variation in the f1_score can be explained by the unknown nature of the test data.</a:t>
             </a:r>
           </a:p>
@@ -19067,7 +19006,7 @@
               <a:buFont typeface="Arial"/>
               <a:buChar char="•"/>
             </a:pPr>
-            <a:endParaRPr lang="en-US"/>
+            <a:endParaRPr lang="en-US" dirty="0"/>
           </a:p>
           <a:p>
             <a:pPr algn="l">
@@ -19076,24 +19015,8 @@
             </a:pPr>
             <a:r>
               <a:rPr lang="en-US" dirty="0"/>
-              <a:t>-Further tuning be done to improve the </a:t>
+              <a:t>Further tuning be done to improve the performance of the model especially with regards to the f1-score.</a:t>
             </a:r>
-            <a:r>
-              <a:rPr lang="en-US"/>
-              <a:t>perfomance</a:t>
-            </a:r>
-            <a:r>
-              <a:rPr lang="en-US" dirty="0"/>
-              <a:t> of the model especially with regards to the f1-score.</a:t>
-            </a:r>
-            <a:endParaRPr lang="en-US"/>
-          </a:p>
-          <a:p>
-            <a:pPr algn="l">
-              <a:buFont typeface="Arial"/>
-              <a:buChar char="•"/>
-            </a:pPr>
-            <a:endParaRPr lang="en-US"/>
           </a:p>
           <a:p>
             <a:pPr algn="l">
@@ -19102,25 +19025,8 @@
             </a:pPr>
             <a:r>
               <a:rPr lang="en-US" dirty="0"/>
-              <a:t>-More focus can be put into modifying or upgrading some customer features that have high correlation with the churn rate, such as customer service </a:t>
+              <a:t>More focus can be put into modifying or upgrading some customer features that have high correlation with the churn rate, such as customer service calls, total day charge, total day minutes</a:t>
             </a:r>
-            <a:r>
-              <a:rPr lang="en-US"/>
-              <a:t>calls,total</a:t>
-            </a:r>
-            <a:r>
-              <a:rPr lang="en-US" dirty="0"/>
-              <a:t> day </a:t>
-            </a:r>
-            <a:r>
-              <a:rPr lang="en-US"/>
-              <a:t>charge,total</a:t>
-            </a:r>
-            <a:r>
-              <a:rPr lang="en-US" dirty="0"/>
-              <a:t> day minutes</a:t>
-            </a:r>
-            <a:endParaRPr lang="en-US"/>
           </a:p>
           <a:p>
             <a:pPr algn="l">
@@ -19129,9 +19035,8 @@
             </a:pPr>
             <a:r>
               <a:rPr lang="en-US" dirty="0"/>
-              <a:t>- More classification models can be used to further predict the data set with an aim of attaining the most efficient model.</a:t>
+              <a:t>More classification models can be used to further predict the data set with an aim of attaining the most efficient model.</a:t>
             </a:r>
-            <a:endParaRPr lang="en-US"/>
           </a:p>
         </p:txBody>
       </p:sp>
